--- a/ML_Overview.pptx
+++ b/ML_Overview.pptx
@@ -105,6 +105,11 @@
       </a:defRPr>
     </a:lvl9pPr>
   </p:defaultTextStyle>
+  <p:extLst>
+    <p:ext uri="{EFAFB233-063F-42B5-8137-9DF3F51BA10A}">
+      <p15:sldGuideLst xmlns:p15="http://schemas.microsoft.com/office/powerpoint/2012/main"/>
+    </p:ext>
+  </p:extLst>
 </p:presentation>
 </file>
 
@@ -239,7 +244,7 @@
           <a:p>
             <a:fld id="{B117B9F9-7C60-4470-AD9A-8B8319C544BE}" type="datetimeFigureOut">
               <a:rPr lang="en-GB" smtClean="0"/>
-              <a:t>29/12/2020</a:t>
+              <a:t>03/01/2021</a:t>
             </a:fld>
             <a:endParaRPr lang="en-GB"/>
           </a:p>
@@ -409,7 +414,7 @@
           <a:p>
             <a:fld id="{B117B9F9-7C60-4470-AD9A-8B8319C544BE}" type="datetimeFigureOut">
               <a:rPr lang="en-GB" smtClean="0"/>
-              <a:t>29/12/2020</a:t>
+              <a:t>03/01/2021</a:t>
             </a:fld>
             <a:endParaRPr lang="en-GB"/>
           </a:p>
@@ -589,7 +594,7 @@
           <a:p>
             <a:fld id="{B117B9F9-7C60-4470-AD9A-8B8319C544BE}" type="datetimeFigureOut">
               <a:rPr lang="en-GB" smtClean="0"/>
-              <a:t>29/12/2020</a:t>
+              <a:t>03/01/2021</a:t>
             </a:fld>
             <a:endParaRPr lang="en-GB"/>
           </a:p>
@@ -759,7 +764,7 @@
           <a:p>
             <a:fld id="{B117B9F9-7C60-4470-AD9A-8B8319C544BE}" type="datetimeFigureOut">
               <a:rPr lang="en-GB" smtClean="0"/>
-              <a:t>29/12/2020</a:t>
+              <a:t>03/01/2021</a:t>
             </a:fld>
             <a:endParaRPr lang="en-GB"/>
           </a:p>
@@ -1005,7 +1010,7 @@
           <a:p>
             <a:fld id="{B117B9F9-7C60-4470-AD9A-8B8319C544BE}" type="datetimeFigureOut">
               <a:rPr lang="en-GB" smtClean="0"/>
-              <a:t>29/12/2020</a:t>
+              <a:t>03/01/2021</a:t>
             </a:fld>
             <a:endParaRPr lang="en-GB"/>
           </a:p>
@@ -1237,7 +1242,7 @@
           <a:p>
             <a:fld id="{B117B9F9-7C60-4470-AD9A-8B8319C544BE}" type="datetimeFigureOut">
               <a:rPr lang="en-GB" smtClean="0"/>
-              <a:t>29/12/2020</a:t>
+              <a:t>03/01/2021</a:t>
             </a:fld>
             <a:endParaRPr lang="en-GB"/>
           </a:p>
@@ -1604,7 +1609,7 @@
           <a:p>
             <a:fld id="{B117B9F9-7C60-4470-AD9A-8B8319C544BE}" type="datetimeFigureOut">
               <a:rPr lang="en-GB" smtClean="0"/>
-              <a:t>29/12/2020</a:t>
+              <a:t>03/01/2021</a:t>
             </a:fld>
             <a:endParaRPr lang="en-GB"/>
           </a:p>
@@ -1722,7 +1727,7 @@
           <a:p>
             <a:fld id="{B117B9F9-7C60-4470-AD9A-8B8319C544BE}" type="datetimeFigureOut">
               <a:rPr lang="en-GB" smtClean="0"/>
-              <a:t>29/12/2020</a:t>
+              <a:t>03/01/2021</a:t>
             </a:fld>
             <a:endParaRPr lang="en-GB"/>
           </a:p>
@@ -1817,7 +1822,7 @@
           <a:p>
             <a:fld id="{B117B9F9-7C60-4470-AD9A-8B8319C544BE}" type="datetimeFigureOut">
               <a:rPr lang="en-GB" smtClean="0"/>
-              <a:t>29/12/2020</a:t>
+              <a:t>03/01/2021</a:t>
             </a:fld>
             <a:endParaRPr lang="en-GB"/>
           </a:p>
@@ -2094,7 +2099,7 @@
           <a:p>
             <a:fld id="{B117B9F9-7C60-4470-AD9A-8B8319C544BE}" type="datetimeFigureOut">
               <a:rPr lang="en-GB" smtClean="0"/>
-              <a:t>29/12/2020</a:t>
+              <a:t>03/01/2021</a:t>
             </a:fld>
             <a:endParaRPr lang="en-GB"/>
           </a:p>
@@ -2351,7 +2356,7 @@
           <a:p>
             <a:fld id="{B117B9F9-7C60-4470-AD9A-8B8319C544BE}" type="datetimeFigureOut">
               <a:rPr lang="en-GB" smtClean="0"/>
-              <a:t>29/12/2020</a:t>
+              <a:t>03/01/2021</a:t>
             </a:fld>
             <a:endParaRPr lang="en-GB"/>
           </a:p>
@@ -2564,7 +2569,7 @@
           <a:p>
             <a:fld id="{B117B9F9-7C60-4470-AD9A-8B8319C544BE}" type="datetimeFigureOut">
               <a:rPr lang="en-GB" smtClean="0"/>
-              <a:t>29/12/2020</a:t>
+              <a:t>03/01/2021</a:t>
             </a:fld>
             <a:endParaRPr lang="en-GB"/>
           </a:p>
@@ -2990,7 +2995,7 @@
         </p:blipFill>
         <p:spPr>
           <a:xfrm>
-            <a:off x="20" y="-64158"/>
+            <a:off x="20" y="0"/>
             <a:ext cx="12191980" cy="6857990"/>
           </a:xfrm>
           <a:prstGeom prst="rect">
@@ -3012,8 +3017,8 @@
         </p:nvSpPr>
         <p:spPr>
           <a:xfrm>
-            <a:off x="288758" y="232611"/>
-            <a:ext cx="5141495" cy="646331"/>
+            <a:off x="288759" y="232611"/>
+            <a:ext cx="3433010" cy="830997"/>
           </a:xfrm>
           <a:prstGeom prst="rect">
             <a:avLst/>
@@ -3029,6 +3034,50 @@
             <a:r>
               <a:rPr lang="en-GB" sz="3600" dirty="0"/>
               <a:t>AI / ML overview</a:t>
+            </a:r>
+          </a:p>
+          <a:p>
+            <a:r>
+              <a:rPr lang="en-GB" sz="1200" i="1" dirty="0"/>
+              <a:t>by the beginner for the beginners</a:t>
+            </a:r>
+          </a:p>
+        </p:txBody>
+      </p:sp>
+      <p:sp>
+        <p:nvSpPr>
+          <p:cNvPr id="6" name="TextBox 5">
+            <a:extLst>
+              <a:ext uri="{FF2B5EF4-FFF2-40B4-BE49-F238E27FC236}">
+                <a16:creationId xmlns:a16="http://schemas.microsoft.com/office/drawing/2014/main" id="{0120E0F5-9A79-4573-8E15-C6F864C3C89F}"/>
+              </a:ext>
+            </a:extLst>
+          </p:cNvPr>
+          <p:cNvSpPr txBox="1"/>
+          <p:nvPr/>
+        </p:nvSpPr>
+        <p:spPr>
+          <a:xfrm>
+            <a:off x="288759" y="2921163"/>
+            <a:ext cx="3617494" cy="400110"/>
+          </a:xfrm>
+          <a:prstGeom prst="rect">
+            <a:avLst/>
+          </a:prstGeom>
+          <a:noFill/>
+          <a:ln>
+            <a:noFill/>
+          </a:ln>
+        </p:spPr>
+        <p:txBody>
+          <a:bodyPr wrap="square" rtlCol="0">
+            <a:spAutoFit/>
+          </a:bodyPr>
+          <a:lstStyle/>
+          <a:p>
+            <a:r>
+              <a:rPr lang="en-GB" sz="2000" dirty="0"/>
+              <a:t>Intuition, Inspiration, Ideas</a:t>
             </a:r>
           </a:p>
         </p:txBody>
@@ -3049,6 +3098,14 @@
 <file path=ppt/slides/slide2.xml><?xml version="1.0" encoding="utf-8"?>
 <p:sld xmlns:a="http://schemas.openxmlformats.org/drawingml/2006/main" xmlns:r="http://schemas.openxmlformats.org/officeDocument/2006/relationships" xmlns:p="http://schemas.openxmlformats.org/presentationml/2006/main">
   <p:cSld>
+    <p:bg>
+      <p:bgPr>
+        <a:solidFill>
+          <a:schemeClr val="bg1"/>
+        </a:solidFill>
+        <a:effectLst/>
+      </p:bgPr>
+    </p:bg>
     <p:spTree>
       <p:nvGrpSpPr>
         <p:cNvPr id="1" name=""/>
@@ -3065,41 +3122,6 @@
       </p:grpSpPr>
       <p:sp>
         <p:nvSpPr>
-          <p:cNvPr id="4" name="TextBox 3">
-            <a:extLst>
-              <a:ext uri="{FF2B5EF4-FFF2-40B4-BE49-F238E27FC236}">
-                <a16:creationId xmlns:a16="http://schemas.microsoft.com/office/drawing/2014/main" id="{F8762A4C-4FE4-403C-8081-C8B469DD1730}"/>
-              </a:ext>
-            </a:extLst>
-          </p:cNvPr>
-          <p:cNvSpPr txBox="1"/>
-          <p:nvPr/>
-        </p:nvSpPr>
-        <p:spPr>
-          <a:xfrm>
-            <a:off x="288758" y="232611"/>
-            <a:ext cx="5141495" cy="461665"/>
-          </a:xfrm>
-          <a:prstGeom prst="rect">
-            <a:avLst/>
-          </a:prstGeom>
-          <a:noFill/>
-        </p:spPr>
-        <p:txBody>
-          <a:bodyPr wrap="square" rtlCol="0">
-            <a:spAutoFit/>
-          </a:bodyPr>
-          <a:lstStyle/>
-          <a:p>
-            <a:r>
-              <a:rPr lang="en-GB" sz="2400" dirty="0"/>
-              <a:t>The Big Picture</a:t>
-            </a:r>
-          </a:p>
-        </p:txBody>
-      </p:sp>
-      <p:sp>
-        <p:nvSpPr>
           <p:cNvPr id="6" name="TextBox 5">
             <a:extLst>
               <a:ext uri="{FF2B5EF4-FFF2-40B4-BE49-F238E27FC236}">
@@ -3112,7 +3134,7 @@
         </p:nvSpPr>
         <p:spPr>
           <a:xfrm>
-            <a:off x="441157" y="834190"/>
+            <a:off x="328862" y="224590"/>
             <a:ext cx="1395663" cy="369332"/>
           </a:xfrm>
           <a:prstGeom prst="rect">
@@ -3147,7 +3169,7 @@
         </p:nvSpPr>
         <p:spPr>
           <a:xfrm>
-            <a:off x="5927559" y="834190"/>
+            <a:off x="4011657" y="224590"/>
             <a:ext cx="1540042" cy="369332"/>
           </a:xfrm>
           <a:prstGeom prst="rect">
@@ -3182,7 +3204,7 @@
         </p:nvSpPr>
         <p:spPr>
           <a:xfrm>
-            <a:off x="9023684" y="834190"/>
+            <a:off x="8384162" y="224590"/>
             <a:ext cx="2438401" cy="369332"/>
           </a:xfrm>
           <a:prstGeom prst="rect">
@@ -3217,8 +3239,8 @@
         </p:nvSpPr>
         <p:spPr>
           <a:xfrm>
-            <a:off x="7114675" y="3958433"/>
-            <a:ext cx="3007894" cy="369332"/>
+            <a:off x="8448286" y="2810243"/>
+            <a:ext cx="3069946" cy="369332"/>
           </a:xfrm>
           <a:prstGeom prst="rect">
             <a:avLst/>
@@ -3238,12 +3260,791 @@
           </a:p>
         </p:txBody>
       </p:sp>
+      <p:sp>
+        <p:nvSpPr>
+          <p:cNvPr id="15" name="TextBox 14">
+            <a:extLst>
+              <a:ext uri="{FF2B5EF4-FFF2-40B4-BE49-F238E27FC236}">
+                <a16:creationId xmlns:a16="http://schemas.microsoft.com/office/drawing/2014/main" id="{F3699F28-775A-4E4D-B3F9-C92C95D307F5}"/>
+              </a:ext>
+            </a:extLst>
+          </p:cNvPr>
+          <p:cNvSpPr txBox="1"/>
+          <p:nvPr/>
+        </p:nvSpPr>
+        <p:spPr>
+          <a:xfrm>
+            <a:off x="331399" y="604002"/>
+            <a:ext cx="1011813" cy="307777"/>
+          </a:xfrm>
+          <a:prstGeom prst="rect">
+            <a:avLst/>
+          </a:prstGeom>
+          <a:noFill/>
+        </p:spPr>
+        <p:txBody>
+          <a:bodyPr wrap="square" rtlCol="0">
+            <a:spAutoFit/>
+          </a:bodyPr>
+          <a:lstStyle/>
+          <a:p>
+            <a:r>
+              <a:rPr lang="en-GB" sz="1400" u="sng" dirty="0"/>
+              <a:t>Regression</a:t>
+            </a:r>
+          </a:p>
+        </p:txBody>
+      </p:sp>
+      <p:sp>
+        <p:nvSpPr>
+          <p:cNvPr id="21" name="TextBox 20">
+            <a:extLst>
+              <a:ext uri="{FF2B5EF4-FFF2-40B4-BE49-F238E27FC236}">
+                <a16:creationId xmlns:a16="http://schemas.microsoft.com/office/drawing/2014/main" id="{79B5B4B2-73AF-49EA-8CAE-FDEE9F74DA2D}"/>
+              </a:ext>
+            </a:extLst>
+          </p:cNvPr>
+          <p:cNvSpPr txBox="1"/>
+          <p:nvPr/>
+        </p:nvSpPr>
+        <p:spPr>
+          <a:xfrm>
+            <a:off x="328075" y="1946008"/>
+            <a:ext cx="1244421" cy="307777"/>
+          </a:xfrm>
+          <a:prstGeom prst="rect">
+            <a:avLst/>
+          </a:prstGeom>
+          <a:noFill/>
+        </p:spPr>
+        <p:txBody>
+          <a:bodyPr wrap="square" rtlCol="0">
+            <a:spAutoFit/>
+          </a:bodyPr>
+          <a:lstStyle/>
+          <a:p>
+            <a:r>
+              <a:rPr lang="en-GB" sz="1400" u="sng" dirty="0"/>
+              <a:t>Classification</a:t>
+            </a:r>
+          </a:p>
+        </p:txBody>
+      </p:sp>
+      <p:sp>
+        <p:nvSpPr>
+          <p:cNvPr id="22" name="TextBox 21">
+            <a:extLst>
+              <a:ext uri="{FF2B5EF4-FFF2-40B4-BE49-F238E27FC236}">
+                <a16:creationId xmlns:a16="http://schemas.microsoft.com/office/drawing/2014/main" id="{3E118D43-3196-4ACB-B029-7ACBB24D814B}"/>
+              </a:ext>
+            </a:extLst>
+          </p:cNvPr>
+          <p:cNvSpPr txBox="1"/>
+          <p:nvPr/>
+        </p:nvSpPr>
+        <p:spPr>
+          <a:xfrm>
+            <a:off x="352031" y="3518556"/>
+            <a:ext cx="1244421" cy="307777"/>
+          </a:xfrm>
+          <a:prstGeom prst="rect">
+            <a:avLst/>
+          </a:prstGeom>
+          <a:noFill/>
+        </p:spPr>
+        <p:txBody>
+          <a:bodyPr wrap="square" rtlCol="0">
+            <a:spAutoFit/>
+          </a:bodyPr>
+          <a:lstStyle/>
+          <a:p>
+            <a:r>
+              <a:rPr lang="en-GB" sz="1400" u="sng" dirty="0"/>
+              <a:t>Clustering</a:t>
+            </a:r>
+          </a:p>
+        </p:txBody>
+      </p:sp>
+      <p:sp>
+        <p:nvSpPr>
+          <p:cNvPr id="23" name="TextBox 22">
+            <a:extLst>
+              <a:ext uri="{FF2B5EF4-FFF2-40B4-BE49-F238E27FC236}">
+                <a16:creationId xmlns:a16="http://schemas.microsoft.com/office/drawing/2014/main" id="{6C136C71-DD55-4AF6-934F-5B2842E4A944}"/>
+              </a:ext>
+            </a:extLst>
+          </p:cNvPr>
+          <p:cNvSpPr txBox="1"/>
+          <p:nvPr/>
+        </p:nvSpPr>
+        <p:spPr>
+          <a:xfrm>
+            <a:off x="352031" y="5092448"/>
+            <a:ext cx="2011960" cy="307777"/>
+          </a:xfrm>
+          <a:prstGeom prst="rect">
+            <a:avLst/>
+          </a:prstGeom>
+          <a:noFill/>
+        </p:spPr>
+        <p:txBody>
+          <a:bodyPr wrap="square" rtlCol="0">
+            <a:spAutoFit/>
+          </a:bodyPr>
+          <a:lstStyle/>
+          <a:p>
+            <a:r>
+              <a:rPr lang="en-GB" sz="1400" u="sng" dirty="0"/>
+              <a:t>Dimensionality reduction</a:t>
+            </a:r>
+          </a:p>
+        </p:txBody>
+      </p:sp>
+      <p:sp>
+        <p:nvSpPr>
+          <p:cNvPr id="17" name="TextBox 16">
+            <a:extLst>
+              <a:ext uri="{FF2B5EF4-FFF2-40B4-BE49-F238E27FC236}">
+                <a16:creationId xmlns:a16="http://schemas.microsoft.com/office/drawing/2014/main" id="{54E8B0D5-D097-4E44-A9B1-D2E68B975E0B}"/>
+              </a:ext>
+            </a:extLst>
+          </p:cNvPr>
+          <p:cNvSpPr txBox="1"/>
+          <p:nvPr/>
+        </p:nvSpPr>
+        <p:spPr>
+          <a:xfrm>
+            <a:off x="1558138" y="848771"/>
+            <a:ext cx="2153346" cy="1015663"/>
+          </a:xfrm>
+          <a:prstGeom prst="rect">
+            <a:avLst/>
+          </a:prstGeom>
+          <a:noFill/>
+          <a:ln>
+            <a:noFill/>
+          </a:ln>
+        </p:spPr>
+        <p:txBody>
+          <a:bodyPr wrap="square" rtlCol="0">
+            <a:spAutoFit/>
+          </a:bodyPr>
+          <a:lstStyle/>
+          <a:p>
+            <a:pPr marL="285750" indent="-285750">
+              <a:buFont typeface="Wingdings" panose="05000000000000000000" pitchFamily="2" charset="2"/>
+              <a:buChar char="q"/>
+            </a:pPr>
+            <a:r>
+              <a:rPr lang="en-GB" sz="1200" dirty="0"/>
+              <a:t>Feature engineering</a:t>
+            </a:r>
+          </a:p>
+          <a:p>
+            <a:pPr marL="285750" indent="-285750">
+              <a:buFont typeface="Wingdings" panose="05000000000000000000" pitchFamily="2" charset="2"/>
+              <a:buChar char="q"/>
+            </a:pPr>
+            <a:r>
+              <a:rPr lang="en-GB" sz="1200" dirty="0"/>
+              <a:t>Loss function</a:t>
+            </a:r>
+          </a:p>
+          <a:p>
+            <a:pPr marL="285750" indent="-285750">
+              <a:buFont typeface="Wingdings" panose="05000000000000000000" pitchFamily="2" charset="2"/>
+              <a:buChar char="q"/>
+            </a:pPr>
+            <a:r>
+              <a:rPr lang="en-GB" sz="1200" dirty="0"/>
+              <a:t>Regularization</a:t>
+            </a:r>
+          </a:p>
+          <a:p>
+            <a:pPr marL="285750" indent="-285750">
+              <a:buFont typeface="Wingdings" panose="05000000000000000000" pitchFamily="2" charset="2"/>
+              <a:buChar char="q"/>
+            </a:pPr>
+            <a:r>
+              <a:rPr lang="en-GB" sz="1200" dirty="0"/>
+              <a:t>Gradient Descend</a:t>
+            </a:r>
+          </a:p>
+          <a:p>
+            <a:r>
+              <a:rPr lang="en-GB" sz="1200" dirty="0">
+                <a:solidFill>
+                  <a:srgbClr val="FFC000"/>
+                </a:solidFill>
+              </a:rPr>
+              <a:t>Case: Estimates ?</a:t>
+            </a:r>
+          </a:p>
+        </p:txBody>
+      </p:sp>
+      <p:sp>
+        <p:nvSpPr>
+          <p:cNvPr id="25" name="TextBox 24">
+            <a:extLst>
+              <a:ext uri="{FF2B5EF4-FFF2-40B4-BE49-F238E27FC236}">
+                <a16:creationId xmlns:a16="http://schemas.microsoft.com/office/drawing/2014/main" id="{464D888D-CD23-4706-8267-FECD1B8D66B6}"/>
+              </a:ext>
+            </a:extLst>
+          </p:cNvPr>
+          <p:cNvSpPr txBox="1"/>
+          <p:nvPr/>
+        </p:nvSpPr>
+        <p:spPr>
+          <a:xfrm>
+            <a:off x="1554234" y="2228747"/>
+            <a:ext cx="2153346" cy="1015663"/>
+          </a:xfrm>
+          <a:prstGeom prst="rect">
+            <a:avLst/>
+          </a:prstGeom>
+          <a:noFill/>
+          <a:ln>
+            <a:noFill/>
+          </a:ln>
+        </p:spPr>
+        <p:txBody>
+          <a:bodyPr wrap="square" rtlCol="0">
+            <a:spAutoFit/>
+          </a:bodyPr>
+          <a:lstStyle/>
+          <a:p>
+            <a:pPr marL="285750" indent="-285750">
+              <a:buFont typeface="Wingdings" panose="05000000000000000000" pitchFamily="2" charset="2"/>
+              <a:buChar char="q"/>
+            </a:pPr>
+            <a:r>
+              <a:rPr lang="en-GB" sz="1200" dirty="0"/>
+              <a:t>Logistic regression</a:t>
+            </a:r>
+          </a:p>
+          <a:p>
+            <a:pPr marL="285750" indent="-285750">
+              <a:buFont typeface="Wingdings" panose="05000000000000000000" pitchFamily="2" charset="2"/>
+              <a:buChar char="q"/>
+            </a:pPr>
+            <a:r>
+              <a:rPr lang="en-GB" sz="1200" dirty="0"/>
+              <a:t>Decision Trees</a:t>
+            </a:r>
+          </a:p>
+          <a:p>
+            <a:pPr marL="285750" indent="-285750">
+              <a:buFont typeface="Wingdings" panose="05000000000000000000" pitchFamily="2" charset="2"/>
+              <a:buChar char="q"/>
+            </a:pPr>
+            <a:r>
+              <a:rPr lang="en-GB" sz="1200" dirty="0"/>
+              <a:t>Support Vector Machine</a:t>
+            </a:r>
+          </a:p>
+          <a:p>
+            <a:pPr marL="285750" indent="-285750">
+              <a:buFont typeface="Wingdings" panose="05000000000000000000" pitchFamily="2" charset="2"/>
+              <a:buChar char="q"/>
+            </a:pPr>
+            <a:r>
+              <a:rPr lang="en-GB" sz="1200" dirty="0"/>
+              <a:t>Confusion matrix</a:t>
+            </a:r>
+          </a:p>
+          <a:p>
+            <a:r>
+              <a:rPr lang="en-GB" sz="1200" dirty="0">
+                <a:solidFill>
+                  <a:srgbClr val="FFC000"/>
+                </a:solidFill>
+              </a:rPr>
+              <a:t>Case: ??</a:t>
+            </a:r>
+          </a:p>
+        </p:txBody>
+      </p:sp>
+      <p:sp>
+        <p:nvSpPr>
+          <p:cNvPr id="26" name="TextBox 25">
+            <a:extLst>
+              <a:ext uri="{FF2B5EF4-FFF2-40B4-BE49-F238E27FC236}">
+                <a16:creationId xmlns:a16="http://schemas.microsoft.com/office/drawing/2014/main" id="{D7D88E31-3B63-434B-815A-8932A985F3C0}"/>
+              </a:ext>
+            </a:extLst>
+          </p:cNvPr>
+          <p:cNvSpPr txBox="1"/>
+          <p:nvPr/>
+        </p:nvSpPr>
+        <p:spPr>
+          <a:xfrm>
+            <a:off x="1554234" y="3798045"/>
+            <a:ext cx="2153346" cy="1015663"/>
+          </a:xfrm>
+          <a:prstGeom prst="rect">
+            <a:avLst/>
+          </a:prstGeom>
+          <a:noFill/>
+          <a:ln>
+            <a:noFill/>
+          </a:ln>
+        </p:spPr>
+        <p:txBody>
+          <a:bodyPr wrap="square" rtlCol="0">
+            <a:spAutoFit/>
+          </a:bodyPr>
+          <a:lstStyle/>
+          <a:p>
+            <a:pPr marL="285750" indent="-285750">
+              <a:buFont typeface="Wingdings" panose="05000000000000000000" pitchFamily="2" charset="2"/>
+              <a:buChar char="q"/>
+            </a:pPr>
+            <a:r>
+              <a:rPr lang="en-GB" sz="1200" dirty="0"/>
+              <a:t>K-means clustering</a:t>
+            </a:r>
+          </a:p>
+          <a:p>
+            <a:pPr marL="285750" indent="-285750">
+              <a:buFont typeface="Wingdings" panose="05000000000000000000" pitchFamily="2" charset="2"/>
+              <a:buChar char="q"/>
+            </a:pPr>
+            <a:r>
+              <a:rPr lang="en-GB" sz="1200" dirty="0"/>
+              <a:t>Hierarchical clustering</a:t>
+            </a:r>
+          </a:p>
+          <a:p>
+            <a:pPr marL="285750" indent="-285750">
+              <a:buFont typeface="Wingdings" panose="05000000000000000000" pitchFamily="2" charset="2"/>
+              <a:buChar char="q"/>
+            </a:pPr>
+            <a:r>
+              <a:rPr lang="en-GB" sz="1200" dirty="0"/>
+              <a:t>Cluster metrics</a:t>
+            </a:r>
+          </a:p>
+          <a:p>
+            <a:pPr marL="285750" indent="-285750">
+              <a:buFont typeface="Wingdings" panose="05000000000000000000" pitchFamily="2" charset="2"/>
+              <a:buChar char="q"/>
+            </a:pPr>
+            <a:r>
+              <a:rPr lang="en-GB" sz="1200" dirty="0"/>
+              <a:t>Anomaly detection</a:t>
+            </a:r>
+          </a:p>
+          <a:p>
+            <a:r>
+              <a:rPr lang="en-GB" sz="1200" dirty="0">
+                <a:solidFill>
+                  <a:srgbClr val="FFC000"/>
+                </a:solidFill>
+              </a:rPr>
+              <a:t>Case: Regression testing</a:t>
+            </a:r>
+          </a:p>
+        </p:txBody>
+      </p:sp>
+      <p:sp>
+        <p:nvSpPr>
+          <p:cNvPr id="27" name="TextBox 26">
+            <a:extLst>
+              <a:ext uri="{FF2B5EF4-FFF2-40B4-BE49-F238E27FC236}">
+                <a16:creationId xmlns:a16="http://schemas.microsoft.com/office/drawing/2014/main" id="{3C5E2DC1-43F6-4A79-B75F-B01FD8879EA5}"/>
+              </a:ext>
+            </a:extLst>
+          </p:cNvPr>
+          <p:cNvSpPr txBox="1"/>
+          <p:nvPr/>
+        </p:nvSpPr>
+        <p:spPr>
+          <a:xfrm>
+            <a:off x="1554234" y="5410305"/>
+            <a:ext cx="2153346" cy="461665"/>
+          </a:xfrm>
+          <a:prstGeom prst="rect">
+            <a:avLst/>
+          </a:prstGeom>
+          <a:noFill/>
+          <a:ln>
+            <a:noFill/>
+          </a:ln>
+        </p:spPr>
+        <p:txBody>
+          <a:bodyPr wrap="square" rtlCol="0">
+            <a:spAutoFit/>
+          </a:bodyPr>
+          <a:lstStyle/>
+          <a:p>
+            <a:pPr marL="285750" indent="-285750">
+              <a:buFont typeface="Wingdings" panose="05000000000000000000" pitchFamily="2" charset="2"/>
+              <a:buChar char="q"/>
+            </a:pPr>
+            <a:r>
+              <a:rPr lang="en-GB" sz="1200" dirty="0"/>
+              <a:t>Principal Components</a:t>
+            </a:r>
+          </a:p>
+          <a:p>
+            <a:r>
+              <a:rPr lang="en-GB" sz="1200" dirty="0">
+                <a:solidFill>
+                  <a:srgbClr val="FFC000"/>
+                </a:solidFill>
+              </a:rPr>
+              <a:t>Case: Performance analysis</a:t>
+            </a:r>
+          </a:p>
+        </p:txBody>
+      </p:sp>
+      <p:sp>
+        <p:nvSpPr>
+          <p:cNvPr id="29" name="TextBox 28">
+            <a:extLst>
+              <a:ext uri="{FF2B5EF4-FFF2-40B4-BE49-F238E27FC236}">
+                <a16:creationId xmlns:a16="http://schemas.microsoft.com/office/drawing/2014/main" id="{13A56162-279C-42D0-9709-9689AE4EDEC5}"/>
+              </a:ext>
+            </a:extLst>
+          </p:cNvPr>
+          <p:cNvSpPr txBox="1"/>
+          <p:nvPr/>
+        </p:nvSpPr>
+        <p:spPr>
+          <a:xfrm>
+            <a:off x="4011657" y="604002"/>
+            <a:ext cx="2229358" cy="307777"/>
+          </a:xfrm>
+          <a:prstGeom prst="rect">
+            <a:avLst/>
+          </a:prstGeom>
+          <a:noFill/>
+        </p:spPr>
+        <p:txBody>
+          <a:bodyPr wrap="square" rtlCol="0">
+            <a:spAutoFit/>
+          </a:bodyPr>
+          <a:lstStyle/>
+          <a:p>
+            <a:r>
+              <a:rPr lang="en-GB" sz="1400" u="sng" dirty="0"/>
+              <a:t>Artificial Neural Network</a:t>
+            </a:r>
+          </a:p>
+        </p:txBody>
+      </p:sp>
+      <p:sp>
+        <p:nvSpPr>
+          <p:cNvPr id="30" name="TextBox 29">
+            <a:extLst>
+              <a:ext uri="{FF2B5EF4-FFF2-40B4-BE49-F238E27FC236}">
+                <a16:creationId xmlns:a16="http://schemas.microsoft.com/office/drawing/2014/main" id="{03E404DD-8416-42A5-8D43-EE94E8CF5478}"/>
+              </a:ext>
+            </a:extLst>
+          </p:cNvPr>
+          <p:cNvSpPr txBox="1"/>
+          <p:nvPr/>
+        </p:nvSpPr>
+        <p:spPr>
+          <a:xfrm>
+            <a:off x="4011657" y="2455473"/>
+            <a:ext cx="2229358" cy="307777"/>
+          </a:xfrm>
+          <a:prstGeom prst="rect">
+            <a:avLst/>
+          </a:prstGeom>
+          <a:noFill/>
+        </p:spPr>
+        <p:txBody>
+          <a:bodyPr wrap="square" rtlCol="0">
+            <a:spAutoFit/>
+          </a:bodyPr>
+          <a:lstStyle/>
+          <a:p>
+            <a:r>
+              <a:rPr lang="en-GB" sz="1400" u="sng" dirty="0"/>
+              <a:t>Convolutional NN</a:t>
+            </a:r>
+          </a:p>
+        </p:txBody>
+      </p:sp>
+      <p:sp>
+        <p:nvSpPr>
+          <p:cNvPr id="31" name="TextBox 30">
+            <a:extLst>
+              <a:ext uri="{FF2B5EF4-FFF2-40B4-BE49-F238E27FC236}">
+                <a16:creationId xmlns:a16="http://schemas.microsoft.com/office/drawing/2014/main" id="{35E4FC01-D0A8-4F16-921E-84C4A3C7F589}"/>
+              </a:ext>
+            </a:extLst>
+          </p:cNvPr>
+          <p:cNvSpPr txBox="1"/>
+          <p:nvPr/>
+        </p:nvSpPr>
+        <p:spPr>
+          <a:xfrm>
+            <a:off x="4011657" y="4323946"/>
+            <a:ext cx="2229358" cy="307777"/>
+          </a:xfrm>
+          <a:prstGeom prst="rect">
+            <a:avLst/>
+          </a:prstGeom>
+          <a:noFill/>
+        </p:spPr>
+        <p:txBody>
+          <a:bodyPr wrap="square" rtlCol="0">
+            <a:spAutoFit/>
+          </a:bodyPr>
+          <a:lstStyle/>
+          <a:p>
+            <a:r>
+              <a:rPr lang="en-GB" sz="1400" u="sng" dirty="0"/>
+              <a:t>Recurrent NN</a:t>
+            </a:r>
+          </a:p>
+        </p:txBody>
+      </p:sp>
+      <p:sp>
+        <p:nvSpPr>
+          <p:cNvPr id="33" name="TextBox 32">
+            <a:extLst>
+              <a:ext uri="{FF2B5EF4-FFF2-40B4-BE49-F238E27FC236}">
+                <a16:creationId xmlns:a16="http://schemas.microsoft.com/office/drawing/2014/main" id="{C5E2F527-247E-4F2A-991F-E8F601C97D2F}"/>
+              </a:ext>
+            </a:extLst>
+          </p:cNvPr>
+          <p:cNvSpPr txBox="1"/>
+          <p:nvPr/>
+        </p:nvSpPr>
+        <p:spPr>
+          <a:xfrm>
+            <a:off x="6146666" y="906603"/>
+            <a:ext cx="1930081" cy="1200329"/>
+          </a:xfrm>
+          <a:prstGeom prst="rect">
+            <a:avLst/>
+          </a:prstGeom>
+          <a:noFill/>
+          <a:ln>
+            <a:noFill/>
+          </a:ln>
+        </p:spPr>
+        <p:txBody>
+          <a:bodyPr wrap="square" rtlCol="0">
+            <a:spAutoFit/>
+          </a:bodyPr>
+          <a:lstStyle/>
+          <a:p>
+            <a:pPr marL="285750" indent="-285750">
+              <a:buFont typeface="Wingdings" panose="05000000000000000000" pitchFamily="2" charset="2"/>
+              <a:buChar char="q"/>
+            </a:pPr>
+            <a:r>
+              <a:rPr lang="en-GB" sz="1200" dirty="0"/>
+              <a:t>Activation function</a:t>
+            </a:r>
+          </a:p>
+          <a:p>
+            <a:pPr marL="285750" indent="-285750">
+              <a:buFont typeface="Wingdings" panose="05000000000000000000" pitchFamily="2" charset="2"/>
+              <a:buChar char="q"/>
+            </a:pPr>
+            <a:r>
+              <a:rPr lang="en-GB" sz="1200" dirty="0"/>
+              <a:t>Back-propagation</a:t>
+            </a:r>
+          </a:p>
+          <a:p>
+            <a:pPr marL="285750" indent="-285750">
+              <a:buFont typeface="Wingdings" panose="05000000000000000000" pitchFamily="2" charset="2"/>
+              <a:buChar char="q"/>
+            </a:pPr>
+            <a:r>
+              <a:rPr lang="en-GB" sz="1200" dirty="0"/>
+              <a:t>Optimizer</a:t>
+            </a:r>
+          </a:p>
+          <a:p>
+            <a:pPr marL="285750" indent="-285750">
+              <a:buFont typeface="Wingdings" panose="05000000000000000000" pitchFamily="2" charset="2"/>
+              <a:buChar char="q"/>
+            </a:pPr>
+            <a:r>
+              <a:rPr lang="en-GB" sz="1200" dirty="0"/>
+              <a:t>Hyper-parameters</a:t>
+            </a:r>
+          </a:p>
+          <a:p>
+            <a:pPr marL="285750" indent="-285750">
+              <a:buFont typeface="Wingdings" panose="05000000000000000000" pitchFamily="2" charset="2"/>
+              <a:buChar char="q"/>
+            </a:pPr>
+            <a:r>
+              <a:rPr lang="en-GB" sz="1200" dirty="0"/>
+              <a:t>Transfer Learning</a:t>
+            </a:r>
+          </a:p>
+          <a:p>
+            <a:r>
+              <a:rPr lang="en-GB" sz="1200" dirty="0">
+                <a:solidFill>
+                  <a:srgbClr val="FFC000"/>
+                </a:solidFill>
+              </a:rPr>
+              <a:t>Case: ?</a:t>
+            </a:r>
+          </a:p>
+        </p:txBody>
+      </p:sp>
+      <p:sp>
+        <p:nvSpPr>
+          <p:cNvPr id="34" name="TextBox 33">
+            <a:extLst>
+              <a:ext uri="{FF2B5EF4-FFF2-40B4-BE49-F238E27FC236}">
+                <a16:creationId xmlns:a16="http://schemas.microsoft.com/office/drawing/2014/main" id="{2CEBA2F0-ACE6-4CD8-9921-07C82F0F1A57}"/>
+              </a:ext>
+            </a:extLst>
+          </p:cNvPr>
+          <p:cNvSpPr txBox="1"/>
+          <p:nvPr/>
+        </p:nvSpPr>
+        <p:spPr>
+          <a:xfrm>
+            <a:off x="6146666" y="2700683"/>
+            <a:ext cx="1930081" cy="830997"/>
+          </a:xfrm>
+          <a:prstGeom prst="rect">
+            <a:avLst/>
+          </a:prstGeom>
+          <a:noFill/>
+          <a:ln>
+            <a:noFill/>
+          </a:ln>
+        </p:spPr>
+        <p:txBody>
+          <a:bodyPr wrap="square" rtlCol="0">
+            <a:spAutoFit/>
+          </a:bodyPr>
+          <a:lstStyle/>
+          <a:p>
+            <a:pPr marL="285750" indent="-285750">
+              <a:buFont typeface="Wingdings" panose="05000000000000000000" pitchFamily="2" charset="2"/>
+              <a:buChar char="q"/>
+            </a:pPr>
+            <a:r>
+              <a:rPr lang="en-GB" sz="1200" dirty="0"/>
+              <a:t>Convolution</a:t>
+            </a:r>
+          </a:p>
+          <a:p>
+            <a:pPr marL="285750" indent="-285750">
+              <a:buFont typeface="Wingdings" panose="05000000000000000000" pitchFamily="2" charset="2"/>
+              <a:buChar char="q"/>
+            </a:pPr>
+            <a:r>
+              <a:rPr lang="en-GB" sz="1200" dirty="0"/>
+              <a:t>Pooling</a:t>
+            </a:r>
+          </a:p>
+          <a:p>
+            <a:pPr marL="285750" indent="-285750">
+              <a:buFont typeface="Wingdings" panose="05000000000000000000" pitchFamily="2" charset="2"/>
+              <a:buChar char="q"/>
+            </a:pPr>
+            <a:r>
+              <a:rPr lang="en-GB" sz="1200" dirty="0"/>
+              <a:t>Flattening</a:t>
+            </a:r>
+          </a:p>
+          <a:p>
+            <a:r>
+              <a:rPr lang="en-GB" sz="1200" dirty="0">
+                <a:solidFill>
+                  <a:srgbClr val="FFC000"/>
+                </a:solidFill>
+              </a:rPr>
+              <a:t>Case: Screenshots</a:t>
+            </a:r>
+          </a:p>
+        </p:txBody>
+      </p:sp>
+      <p:sp>
+        <p:nvSpPr>
+          <p:cNvPr id="35" name="TextBox 34">
+            <a:extLst>
+              <a:ext uri="{FF2B5EF4-FFF2-40B4-BE49-F238E27FC236}">
+                <a16:creationId xmlns:a16="http://schemas.microsoft.com/office/drawing/2014/main" id="{B5E90F24-0E72-4382-B599-BEFFDC9A9A3E}"/>
+              </a:ext>
+            </a:extLst>
+          </p:cNvPr>
+          <p:cNvSpPr txBox="1"/>
+          <p:nvPr/>
+        </p:nvSpPr>
+        <p:spPr>
+          <a:xfrm>
+            <a:off x="6146665" y="4631723"/>
+            <a:ext cx="1930081" cy="830997"/>
+          </a:xfrm>
+          <a:prstGeom prst="rect">
+            <a:avLst/>
+          </a:prstGeom>
+          <a:noFill/>
+          <a:ln>
+            <a:noFill/>
+          </a:ln>
+        </p:spPr>
+        <p:txBody>
+          <a:bodyPr wrap="square" rtlCol="0">
+            <a:spAutoFit/>
+          </a:bodyPr>
+          <a:lstStyle/>
+          <a:p>
+            <a:pPr marL="285750" indent="-285750">
+              <a:buFont typeface="Wingdings" panose="05000000000000000000" pitchFamily="2" charset="2"/>
+              <a:buChar char="q"/>
+            </a:pPr>
+            <a:r>
+              <a:rPr lang="en-GB" sz="1200" dirty="0"/>
+              <a:t>X</a:t>
+            </a:r>
+          </a:p>
+          <a:p>
+            <a:pPr marL="285750" indent="-285750">
+              <a:buFont typeface="Wingdings" panose="05000000000000000000" pitchFamily="2" charset="2"/>
+              <a:buChar char="q"/>
+            </a:pPr>
+            <a:r>
+              <a:rPr lang="en-GB" sz="1200" dirty="0"/>
+              <a:t>Y</a:t>
+            </a:r>
+          </a:p>
+          <a:p>
+            <a:pPr marL="285750" indent="-285750">
+              <a:buFont typeface="Wingdings" panose="05000000000000000000" pitchFamily="2" charset="2"/>
+              <a:buChar char="q"/>
+            </a:pPr>
+            <a:r>
+              <a:rPr lang="en-GB" sz="1200" dirty="0"/>
+              <a:t>Z</a:t>
+            </a:r>
+          </a:p>
+          <a:p>
+            <a:r>
+              <a:rPr lang="en-GB" sz="1200" dirty="0">
+                <a:solidFill>
+                  <a:srgbClr val="FFC000"/>
+                </a:solidFill>
+              </a:rPr>
+              <a:t>Case: Status reports</a:t>
+            </a:r>
+          </a:p>
+        </p:txBody>
+      </p:sp>
       <p:pic>
         <p:nvPicPr>
-          <p:cNvPr id="16" name="Picture 15">
+          <p:cNvPr id="4" name="Picture 3" descr="A picture containing text, clock&#10;&#10;Description automatically generated">
             <a:extLst>
               <a:ext uri="{FF2B5EF4-FFF2-40B4-BE49-F238E27FC236}">
-                <a16:creationId xmlns:a16="http://schemas.microsoft.com/office/drawing/2014/main" id="{3510DA85-9188-4405-818F-807C9E778142}"/>
+                <a16:creationId xmlns:a16="http://schemas.microsoft.com/office/drawing/2014/main" id="{EBD192D1-F80D-4A37-BA43-41FF28B5CE3C}"/>
               </a:ext>
             </a:extLst>
           </p:cNvPr>
@@ -3266,8 +4067,8 @@
         </p:blipFill>
         <p:spPr>
           <a:xfrm>
-            <a:off x="693404" y="1421384"/>
-            <a:ext cx="1806690" cy="1080000"/>
+            <a:off x="350157" y="2286579"/>
+            <a:ext cx="900000" cy="900000"/>
           </a:xfrm>
           <a:prstGeom prst="rect">
             <a:avLst/>
@@ -3276,10 +4077,10 @@
       </p:pic>
       <p:pic>
         <p:nvPicPr>
-          <p:cNvPr id="18" name="Picture 17" descr="Classification">
+          <p:cNvPr id="11" name="Picture 10" descr="A picture containing icon&#10;&#10;Description automatically generated">
             <a:extLst>
               <a:ext uri="{FF2B5EF4-FFF2-40B4-BE49-F238E27FC236}">
-                <a16:creationId xmlns:a16="http://schemas.microsoft.com/office/drawing/2014/main" id="{E3EE2B6C-91F9-45D6-803B-7750E3445ABD}"/>
+                <a16:creationId xmlns:a16="http://schemas.microsoft.com/office/drawing/2014/main" id="{D28C2A0C-C3CE-4D10-BF3E-B721FFFCFC10}"/>
               </a:ext>
             </a:extLst>
           </p:cNvPr>
@@ -3302,8 +4103,8 @@
         </p:blipFill>
         <p:spPr>
           <a:xfrm>
-            <a:off x="646749" y="2719246"/>
-            <a:ext cx="1806690" cy="1080000"/>
+            <a:off x="434999" y="3855877"/>
+            <a:ext cx="900000" cy="900000"/>
           </a:xfrm>
           <a:prstGeom prst="rect">
             <a:avLst/>
@@ -3312,10 +4113,10 @@
       </p:pic>
       <p:pic>
         <p:nvPicPr>
-          <p:cNvPr id="24" name="Picture 23" descr="Shape, circle&#10;&#10;Description automatically generated">
+          <p:cNvPr id="16" name="Picture 15" descr="Shape, arrow&#10;&#10;Description automatically generated">
             <a:extLst>
               <a:ext uri="{FF2B5EF4-FFF2-40B4-BE49-F238E27FC236}">
-                <a16:creationId xmlns:a16="http://schemas.microsoft.com/office/drawing/2014/main" id="{612EC010-606B-4BCD-B08B-7751EC55BA43}"/>
+                <a16:creationId xmlns:a16="http://schemas.microsoft.com/office/drawing/2014/main" id="{C9D3D9BD-06CC-452C-83EF-64529C3ACF08}"/>
               </a:ext>
             </a:extLst>
           </p:cNvPr>
@@ -3338,8 +4139,8 @@
         </p:blipFill>
         <p:spPr>
           <a:xfrm>
-            <a:off x="646749" y="4017108"/>
-            <a:ext cx="1806690" cy="1080000"/>
+            <a:off x="434999" y="5410305"/>
+            <a:ext cx="900000" cy="900000"/>
           </a:xfrm>
           <a:prstGeom prst="rect">
             <a:avLst/>
@@ -3348,10 +4149,10 @@
       </p:pic>
       <p:pic>
         <p:nvPicPr>
-          <p:cNvPr id="28" name="Picture 27" descr="A picture containing background pattern&#10;&#10;Description automatically generated">
+          <p:cNvPr id="19" name="Picture 18" descr="Chart, scatter chart&#10;&#10;Description automatically generated">
             <a:extLst>
               <a:ext uri="{FF2B5EF4-FFF2-40B4-BE49-F238E27FC236}">
-                <a16:creationId xmlns:a16="http://schemas.microsoft.com/office/drawing/2014/main" id="{7F400B02-1C40-4561-9C23-12183490E52B}"/>
+                <a16:creationId xmlns:a16="http://schemas.microsoft.com/office/drawing/2014/main" id="{A2718122-207F-485E-A475-C5DA1E67342A}"/>
               </a:ext>
             </a:extLst>
           </p:cNvPr>
@@ -3374,8 +4175,8 @@
         </p:blipFill>
         <p:spPr>
           <a:xfrm>
-            <a:off x="6096000" y="1363944"/>
-            <a:ext cx="2229358" cy="1422030"/>
+            <a:off x="434999" y="906603"/>
+            <a:ext cx="900000" cy="900000"/>
           </a:xfrm>
           <a:prstGeom prst="rect">
             <a:avLst/>
@@ -3384,10 +4185,10 @@
       </p:pic>
       <p:pic>
         <p:nvPicPr>
-          <p:cNvPr id="32" name="Picture 31" descr="A picture containing text, scoreboard&#10;&#10;Description automatically generated">
+          <p:cNvPr id="39" name="Picture 38" descr="Shape, icon, arrow&#10;&#10;Description automatically generated">
             <a:extLst>
               <a:ext uri="{FF2B5EF4-FFF2-40B4-BE49-F238E27FC236}">
-                <a16:creationId xmlns:a16="http://schemas.microsoft.com/office/drawing/2014/main" id="{149D826E-C323-481B-B0B0-FD626691FDFF}"/>
+                <a16:creationId xmlns:a16="http://schemas.microsoft.com/office/drawing/2014/main" id="{A1F10E98-8EE9-4D69-A0BE-C427FAB655CA}"/>
               </a:ext>
             </a:extLst>
           </p:cNvPr>
@@ -3410,14 +4211,266 @@
         </p:blipFill>
         <p:spPr>
           <a:xfrm>
-            <a:off x="8938198" y="1296595"/>
-            <a:ext cx="2661403" cy="2416989"/>
+            <a:off x="4022680" y="4631723"/>
+            <a:ext cx="1944000" cy="1296000"/>
           </a:xfrm>
           <a:prstGeom prst="rect">
             <a:avLst/>
           </a:prstGeom>
         </p:spPr>
       </p:pic>
+      <p:pic>
+        <p:nvPicPr>
+          <p:cNvPr id="43" name="Picture 42" descr="A picture containing background pattern&#10;&#10;Description automatically generated">
+            <a:extLst>
+              <a:ext uri="{FF2B5EF4-FFF2-40B4-BE49-F238E27FC236}">
+                <a16:creationId xmlns:a16="http://schemas.microsoft.com/office/drawing/2014/main" id="{E957DD8E-EE5B-4654-A3C6-E435739597DF}"/>
+              </a:ext>
+            </a:extLst>
+          </p:cNvPr>
+          <p:cNvPicPr>
+            <a:picLocks noChangeAspect="1"/>
+          </p:cNvPicPr>
+          <p:nvPr/>
+        </p:nvPicPr>
+        <p:blipFill>
+          <a:blip r:embed="rId7">
+            <a:extLst>
+              <a:ext uri="{28A0092B-C50C-407E-A947-70E740481C1C}">
+                <a14:useLocalDpi xmlns:a14="http://schemas.microsoft.com/office/drawing/2010/main" val="0"/>
+              </a:ext>
+            </a:extLst>
+          </a:blip>
+          <a:stretch>
+            <a:fillRect/>
+          </a:stretch>
+        </p:blipFill>
+        <p:spPr>
+          <a:xfrm>
+            <a:off x="4001076" y="848771"/>
+            <a:ext cx="1944000" cy="1296000"/>
+          </a:xfrm>
+          <a:prstGeom prst="rect">
+            <a:avLst/>
+          </a:prstGeom>
+        </p:spPr>
+      </p:pic>
+      <p:pic>
+        <p:nvPicPr>
+          <p:cNvPr id="45" name="Picture 44" descr="Diagram&#10;&#10;Description automatically generated">
+            <a:extLst>
+              <a:ext uri="{FF2B5EF4-FFF2-40B4-BE49-F238E27FC236}">
+                <a16:creationId xmlns:a16="http://schemas.microsoft.com/office/drawing/2014/main" id="{3BC05965-0480-4402-A3F6-B7E58DAE15BF}"/>
+              </a:ext>
+            </a:extLst>
+          </p:cNvPr>
+          <p:cNvPicPr>
+            <a:picLocks noChangeAspect="1"/>
+          </p:cNvPicPr>
+          <p:nvPr/>
+        </p:nvPicPr>
+        <p:blipFill>
+          <a:blip r:embed="rId8">
+            <a:extLst>
+              <a:ext uri="{28A0092B-C50C-407E-A947-70E740481C1C}">
+                <a14:useLocalDpi xmlns:a14="http://schemas.microsoft.com/office/drawing/2010/main" val="0"/>
+              </a:ext>
+            </a:extLst>
+          </a:blip>
+          <a:stretch>
+            <a:fillRect/>
+          </a:stretch>
+        </p:blipFill>
+        <p:spPr>
+          <a:xfrm>
+            <a:off x="4035538" y="2700683"/>
+            <a:ext cx="1944000" cy="1296000"/>
+          </a:xfrm>
+          <a:prstGeom prst="rect">
+            <a:avLst/>
+          </a:prstGeom>
+        </p:spPr>
+      </p:pic>
+      <p:pic>
+        <p:nvPicPr>
+          <p:cNvPr id="47" name="Picture 46" descr="A picture containing text&#10;&#10;Description automatically generated">
+            <a:extLst>
+              <a:ext uri="{FF2B5EF4-FFF2-40B4-BE49-F238E27FC236}">
+                <a16:creationId xmlns:a16="http://schemas.microsoft.com/office/drawing/2014/main" id="{8C279BB1-23DB-4207-8D93-A41F15F2A50B}"/>
+              </a:ext>
+            </a:extLst>
+          </p:cNvPr>
+          <p:cNvPicPr>
+            <a:picLocks noChangeAspect="1"/>
+          </p:cNvPicPr>
+          <p:nvPr/>
+        </p:nvPicPr>
+        <p:blipFill>
+          <a:blip r:embed="rId9">
+            <a:extLst>
+              <a:ext uri="{28A0092B-C50C-407E-A947-70E740481C1C}">
+                <a14:useLocalDpi xmlns:a14="http://schemas.microsoft.com/office/drawing/2010/main" val="0"/>
+              </a:ext>
+            </a:extLst>
+          </a:blip>
+          <a:stretch>
+            <a:fillRect/>
+          </a:stretch>
+        </p:blipFill>
+        <p:spPr>
+          <a:xfrm>
+            <a:off x="8448286" y="675224"/>
+            <a:ext cx="1080000" cy="1080000"/>
+          </a:xfrm>
+          <a:prstGeom prst="rect">
+            <a:avLst/>
+          </a:prstGeom>
+        </p:spPr>
+      </p:pic>
+      <p:sp>
+        <p:nvSpPr>
+          <p:cNvPr id="48" name="TextBox 47">
+            <a:extLst>
+              <a:ext uri="{FF2B5EF4-FFF2-40B4-BE49-F238E27FC236}">
+                <a16:creationId xmlns:a16="http://schemas.microsoft.com/office/drawing/2014/main" id="{1F787F4D-6F3B-4091-A360-7206B9AC6BEE}"/>
+              </a:ext>
+            </a:extLst>
+          </p:cNvPr>
+          <p:cNvSpPr txBox="1"/>
+          <p:nvPr/>
+        </p:nvSpPr>
+        <p:spPr>
+          <a:xfrm>
+            <a:off x="9930520" y="708602"/>
+            <a:ext cx="1930081" cy="830997"/>
+          </a:xfrm>
+          <a:prstGeom prst="rect">
+            <a:avLst/>
+          </a:prstGeom>
+          <a:noFill/>
+          <a:ln>
+            <a:noFill/>
+          </a:ln>
+        </p:spPr>
+        <p:txBody>
+          <a:bodyPr wrap="square" rtlCol="0">
+            <a:spAutoFit/>
+          </a:bodyPr>
+          <a:lstStyle/>
+          <a:p>
+            <a:pPr marL="285750" indent="-285750">
+              <a:buFont typeface="Wingdings" panose="05000000000000000000" pitchFamily="2" charset="2"/>
+              <a:buChar char="q"/>
+            </a:pPr>
+            <a:r>
+              <a:rPr lang="en-GB" sz="1200" dirty="0"/>
+              <a:t>X</a:t>
+            </a:r>
+          </a:p>
+          <a:p>
+            <a:pPr marL="285750" indent="-285750">
+              <a:buFont typeface="Wingdings" panose="05000000000000000000" pitchFamily="2" charset="2"/>
+              <a:buChar char="q"/>
+            </a:pPr>
+            <a:r>
+              <a:rPr lang="en-GB" sz="1200" dirty="0"/>
+              <a:t>Y</a:t>
+            </a:r>
+          </a:p>
+          <a:p>
+            <a:pPr marL="285750" indent="-285750">
+              <a:buFont typeface="Wingdings" panose="05000000000000000000" pitchFamily="2" charset="2"/>
+              <a:buChar char="q"/>
+            </a:pPr>
+            <a:r>
+              <a:rPr lang="en-GB" sz="1200" dirty="0"/>
+              <a:t>Z</a:t>
+            </a:r>
+          </a:p>
+          <a:p>
+            <a:r>
+              <a:rPr lang="en-GB" sz="1200" dirty="0">
+                <a:solidFill>
+                  <a:srgbClr val="FFC000"/>
+                </a:solidFill>
+              </a:rPr>
+              <a:t>Case: ??</a:t>
+            </a:r>
+          </a:p>
+        </p:txBody>
+      </p:sp>
+      <p:sp>
+        <p:nvSpPr>
+          <p:cNvPr id="49" name="TextBox 48">
+            <a:extLst>
+              <a:ext uri="{FF2B5EF4-FFF2-40B4-BE49-F238E27FC236}">
+                <a16:creationId xmlns:a16="http://schemas.microsoft.com/office/drawing/2014/main" id="{D2F895F3-AE43-4015-8EAE-C30FD7459FAA}"/>
+              </a:ext>
+            </a:extLst>
+          </p:cNvPr>
+          <p:cNvSpPr txBox="1"/>
+          <p:nvPr/>
+        </p:nvSpPr>
+        <p:spPr>
+          <a:xfrm>
+            <a:off x="9930520" y="3256945"/>
+            <a:ext cx="1930081" cy="830997"/>
+          </a:xfrm>
+          <a:prstGeom prst="rect">
+            <a:avLst/>
+          </a:prstGeom>
+          <a:noFill/>
+          <a:ln>
+            <a:noFill/>
+          </a:ln>
+        </p:spPr>
+        <p:txBody>
+          <a:bodyPr wrap="square" rtlCol="0">
+            <a:spAutoFit/>
+          </a:bodyPr>
+          <a:lstStyle/>
+          <a:p>
+            <a:pPr marL="285750" indent="-285750">
+              <a:buFont typeface="Wingdings" panose="05000000000000000000" pitchFamily="2" charset="2"/>
+              <a:buChar char="q"/>
+            </a:pPr>
+            <a:r>
+              <a:rPr lang="en-GB" sz="1200" dirty="0"/>
+              <a:t>X</a:t>
+            </a:r>
+          </a:p>
+          <a:p>
+            <a:pPr marL="285750" indent="-285750">
+              <a:buFont typeface="Wingdings" panose="05000000000000000000" pitchFamily="2" charset="2"/>
+              <a:buChar char="q"/>
+            </a:pPr>
+            <a:r>
+              <a:rPr lang="en-GB" sz="1200" dirty="0"/>
+              <a:t>Y</a:t>
+            </a:r>
+          </a:p>
+          <a:p>
+            <a:pPr marL="285750" indent="-285750">
+              <a:buFont typeface="Wingdings" panose="05000000000000000000" pitchFamily="2" charset="2"/>
+              <a:buChar char="q"/>
+            </a:pPr>
+            <a:r>
+              <a:rPr lang="en-GB" sz="1200" dirty="0"/>
+              <a:t>Z</a:t>
+            </a:r>
+          </a:p>
+          <a:p>
+            <a:r>
+              <a:rPr lang="en-GB" sz="1200" dirty="0">
+                <a:solidFill>
+                  <a:srgbClr val="FFC000"/>
+                </a:solidFill>
+              </a:rPr>
+              <a:t>Case: ??</a:t>
+            </a:r>
+          </a:p>
+        </p:txBody>
+      </p:sp>
     </p:spTree>
     <p:extLst>
       <p:ext uri="{BB962C8B-B14F-4D97-AF65-F5344CB8AC3E}">
@@ -3434,7 +4487,7 @@
 <file path=ppt/theme/theme1.xml><?xml version="1.0" encoding="utf-8"?>
 <a:theme xmlns:a="http://schemas.openxmlformats.org/drawingml/2006/main" name="Office Theme">
   <a:themeElements>
-    <a:clrScheme name="Office Theme">
+    <a:clrScheme name="Grayscale">
       <a:dk1>
         <a:sysClr val="windowText" lastClr="000000"/>
       </a:dk1>
@@ -3442,34 +4495,34 @@
         <a:sysClr val="window" lastClr="FFFFFF"/>
       </a:lt1>
       <a:dk2>
-        <a:srgbClr val="44546A"/>
+        <a:srgbClr val="000000"/>
       </a:dk2>
       <a:lt2>
-        <a:srgbClr val="E7E6E6"/>
+        <a:srgbClr val="F8F8F8"/>
       </a:lt2>
       <a:accent1>
-        <a:srgbClr val="4472C4"/>
+        <a:srgbClr val="DDDDDD"/>
       </a:accent1>
       <a:accent2>
-        <a:srgbClr val="ED7D31"/>
+        <a:srgbClr val="B2B2B2"/>
       </a:accent2>
       <a:accent3>
-        <a:srgbClr val="A5A5A5"/>
+        <a:srgbClr val="969696"/>
       </a:accent3>
       <a:accent4>
-        <a:srgbClr val="FFC000"/>
+        <a:srgbClr val="808080"/>
       </a:accent4>
       <a:accent5>
-        <a:srgbClr val="5B9BD5"/>
+        <a:srgbClr val="5F5F5F"/>
       </a:accent5>
       <a:accent6>
-        <a:srgbClr val="70AD47"/>
+        <a:srgbClr val="4D4D4D"/>
       </a:accent6>
       <a:hlink>
-        <a:srgbClr val="0563C1"/>
+        <a:srgbClr val="5F5F5F"/>
       </a:hlink>
       <a:folHlink>
-        <a:srgbClr val="954F72"/>
+        <a:srgbClr val="919191"/>
       </a:folHlink>
     </a:clrScheme>
     <a:fontScheme name="Office Theme">
